--- a/2024-04-06/01_programm.pptx
+++ b/2024-04-06/01_programm.pptx
@@ -287,7 +287,7 @@
               <a:pPr>
                 <a:defRPr/>
               </a:pPr>
-              <a:t>05.04.2024</a:t>
+              <a:t>06.04.2024</a:t>
             </a:fld>
             <a:endParaRPr lang="de-AT"/>
           </a:p>
@@ -502,7 +502,7 @@
               <a:pPr>
                 <a:defRPr/>
               </a:pPr>
-              <a:t>05.04.2024</a:t>
+              <a:t>06.04.2024</a:t>
             </a:fld>
             <a:endParaRPr lang="de-AT"/>
           </a:p>
@@ -3391,7 +3391,10 @@
           <a:bodyPr/>
           <a:lstStyle/>
           <a:p>
-            <a:endParaRPr lang="de-AT"/>
+            <a:r>
+              <a:rPr lang="de-AT"/>
+              <a:t>22.6.24</a:t>
+            </a:r>
           </a:p>
         </p:txBody>
       </p:sp>
